--- a/Gale-Shapley.pptx
+++ b/Gale-Shapley.pptx
@@ -19,8 +19,9 @@
     <p:sldId id="277" r:id="rId13"/>
     <p:sldId id="278" r:id="rId14"/>
     <p:sldId id="279" r:id="rId15"/>
-    <p:sldId id="274" r:id="rId16"/>
-    <p:sldId id="275" r:id="rId17"/>
+    <p:sldId id="280" r:id="rId16"/>
+    <p:sldId id="274" r:id="rId17"/>
+    <p:sldId id="275" r:id="rId18"/>
   </p:sldIdLst>
   <p:sldSz cx="12192000" cy="6858000"/>
   <p:notesSz cx="6858000" cy="9144000"/>
@@ -315,7 +316,7 @@
           <a:p>
             <a:fld id="{03AC47A4-D500-4644-A93E-1AF49A7CAED2}" type="datetimeFigureOut">
               <a:rPr lang="en-US" smtClean="0"/>
-              <a:t>4/12/2020</a:t>
+              <a:t>4/14/2020</a:t>
             </a:fld>
             <a:endParaRPr lang="en-US"/>
           </a:p>
@@ -653,7 +654,7 @@
           <a:p>
             <a:fld id="{03AC47A4-D500-4644-A93E-1AF49A7CAED2}" type="datetimeFigureOut">
               <a:rPr lang="en-US" smtClean="0"/>
-              <a:t>4/12/2020</a:t>
+              <a:t>4/14/2020</a:t>
             </a:fld>
             <a:endParaRPr lang="en-US"/>
           </a:p>
@@ -1054,7 +1055,7 @@
           <a:p>
             <a:fld id="{03AC47A4-D500-4644-A93E-1AF49A7CAED2}" type="datetimeFigureOut">
               <a:rPr lang="en-US" smtClean="0"/>
-              <a:t>4/12/2020</a:t>
+              <a:t>4/14/2020</a:t>
             </a:fld>
             <a:endParaRPr lang="en-US"/>
           </a:p>
@@ -1390,7 +1391,7 @@
           <a:p>
             <a:fld id="{03AC47A4-D500-4644-A93E-1AF49A7CAED2}" type="datetimeFigureOut">
               <a:rPr lang="en-US" smtClean="0"/>
-              <a:t>4/12/2020</a:t>
+              <a:t>4/14/2020</a:t>
             </a:fld>
             <a:endParaRPr lang="en-US"/>
           </a:p>
@@ -1710,7 +1711,7 @@
           <a:p>
             <a:fld id="{03AC47A4-D500-4644-A93E-1AF49A7CAED2}" type="datetimeFigureOut">
               <a:rPr lang="en-US" smtClean="0"/>
-              <a:t>4/12/2020</a:t>
+              <a:t>4/14/2020</a:t>
             </a:fld>
             <a:endParaRPr lang="en-US"/>
           </a:p>
@@ -2106,7 +2107,7 @@
           <a:p>
             <a:fld id="{03AC47A4-D500-4644-A93E-1AF49A7CAED2}" type="datetimeFigureOut">
               <a:rPr lang="en-US" smtClean="0"/>
-              <a:t>4/12/2020</a:t>
+              <a:t>4/14/2020</a:t>
             </a:fld>
             <a:endParaRPr lang="en-US"/>
           </a:p>
@@ -2363,7 +2364,7 @@
           <a:p>
             <a:fld id="{03AC47A4-D500-4644-A93E-1AF49A7CAED2}" type="datetimeFigureOut">
               <a:rPr lang="en-US" smtClean="0"/>
-              <a:t>4/12/2020</a:t>
+              <a:t>4/14/2020</a:t>
             </a:fld>
             <a:endParaRPr lang="en-US"/>
           </a:p>
@@ -2625,7 +2626,7 @@
           <a:p>
             <a:fld id="{03AC47A4-D500-4644-A93E-1AF49A7CAED2}" type="datetimeFigureOut">
               <a:rPr lang="en-US" smtClean="0"/>
-              <a:t>4/12/2020</a:t>
+              <a:t>4/14/2020</a:t>
             </a:fld>
             <a:endParaRPr lang="en-US"/>
           </a:p>
@@ -2887,7 +2888,7 @@
           <a:p>
             <a:fld id="{03AC47A4-D500-4644-A93E-1AF49A7CAED2}" type="datetimeFigureOut">
               <a:rPr lang="en-US" smtClean="0"/>
-              <a:t>4/12/2020</a:t>
+              <a:t>4/14/2020</a:t>
             </a:fld>
             <a:endParaRPr lang="en-US"/>
           </a:p>
@@ -3216,7 +3217,7 @@
           <a:p>
             <a:fld id="{03AC47A4-D500-4644-A93E-1AF49A7CAED2}" type="datetimeFigureOut">
               <a:rPr lang="en-US" smtClean="0"/>
-              <a:t>4/12/2020</a:t>
+              <a:t>4/14/2020</a:t>
             </a:fld>
             <a:endParaRPr lang="en-US"/>
           </a:p>
@@ -3539,7 +3540,7 @@
           <a:p>
             <a:fld id="{03AC47A4-D500-4644-A93E-1AF49A7CAED2}" type="datetimeFigureOut">
               <a:rPr lang="en-US" smtClean="0"/>
-              <a:t>4/12/2020</a:t>
+              <a:t>4/14/2020</a:t>
             </a:fld>
             <a:endParaRPr lang="en-US"/>
           </a:p>
@@ -3996,7 +3997,7 @@
           <a:p>
             <a:fld id="{03AC47A4-D500-4644-A93E-1AF49A7CAED2}" type="datetimeFigureOut">
               <a:rPr lang="en-US" smtClean="0"/>
-              <a:t>4/12/2020</a:t>
+              <a:t>4/14/2020</a:t>
             </a:fld>
             <a:endParaRPr lang="en-US"/>
           </a:p>
@@ -4201,7 +4202,7 @@
           <a:p>
             <a:fld id="{03AC47A4-D500-4644-A93E-1AF49A7CAED2}" type="datetimeFigureOut">
               <a:rPr lang="en-US" smtClean="0"/>
-              <a:t>4/12/2020</a:t>
+              <a:t>4/14/2020</a:t>
             </a:fld>
             <a:endParaRPr lang="en-US"/>
           </a:p>
@@ -4378,7 +4379,7 @@
           <a:p>
             <a:fld id="{03AC47A4-D500-4644-A93E-1AF49A7CAED2}" type="datetimeFigureOut">
               <a:rPr lang="en-US" smtClean="0"/>
-              <a:t>4/12/2020</a:t>
+              <a:t>4/14/2020</a:t>
             </a:fld>
             <a:endParaRPr lang="en-US"/>
           </a:p>
@@ -4711,7 +4712,7 @@
           <a:p>
             <a:fld id="{03AC47A4-D500-4644-A93E-1AF49A7CAED2}" type="datetimeFigureOut">
               <a:rPr lang="en-US" smtClean="0"/>
-              <a:t>4/12/2020</a:t>
+              <a:t>4/14/2020</a:t>
             </a:fld>
             <a:endParaRPr lang="en-US"/>
           </a:p>
@@ -5056,7 +5057,7 @@
           <a:p>
             <a:fld id="{03AC47A4-D500-4644-A93E-1AF49A7CAED2}" type="datetimeFigureOut">
               <a:rPr lang="en-US" smtClean="0"/>
-              <a:t>4/12/2020</a:t>
+              <a:t>4/14/2020</a:t>
             </a:fld>
             <a:endParaRPr lang="en-US"/>
           </a:p>
@@ -7173,7 +7174,7 @@
           <a:p>
             <a:fld id="{03AC47A4-D500-4644-A93E-1AF49A7CAED2}" type="datetimeFigureOut">
               <a:rPr lang="en-US" smtClean="0"/>
-              <a:t>4/12/2020</a:t>
+              <a:t>4/14/2020</a:t>
             </a:fld>
             <a:endParaRPr lang="en-US"/>
           </a:p>
@@ -7892,7 +7893,7 @@
                   </a:schemeClr>
                 </a:solidFill>
               </a:rPr>
-              <a:t>F4-&gt;B3,B1,B4,B2</a:t>
+              <a:t>F4-&gt;B3,B1,B2,B4</a:t>
             </a:r>
           </a:p>
         </p:txBody>
@@ -8647,7 +8648,7 @@
         </p:nvSpPr>
         <p:spPr>
           <a:xfrm>
-            <a:off x="3899552" y="4289980"/>
+            <a:off x="3901122" y="4348513"/>
             <a:ext cx="754145" cy="782424"/>
           </a:xfrm>
           <a:prstGeom prst="ellipse">
@@ -8752,8 +8753,8 @@
         </p:nvCxnSpPr>
         <p:spPr>
           <a:xfrm flipV="1">
-            <a:off x="4653697" y="3218877"/>
-            <a:ext cx="3533090" cy="1462315"/>
+            <a:off x="4655267" y="3218877"/>
+            <a:ext cx="3531520" cy="1520848"/>
           </a:xfrm>
           <a:prstGeom prst="straightConnector1">
             <a:avLst/>
@@ -8908,7 +8909,7 @@
                   </a:schemeClr>
                 </a:solidFill>
               </a:rPr>
-              <a:t>F4-&gt;B3,B1,B4,B2</a:t>
+              <a:t>F4-&gt;B3,B1,B2,B4</a:t>
             </a:r>
           </a:p>
         </p:txBody>
@@ -9561,7 +9562,7 @@
         </p:nvSpPr>
         <p:spPr>
           <a:xfrm>
-            <a:off x="3899552" y="4367367"/>
+            <a:off x="3899552" y="4318276"/>
             <a:ext cx="754145" cy="782424"/>
           </a:xfrm>
           <a:prstGeom prst="ellipse">
@@ -9667,7 +9668,7 @@
         <p:spPr>
           <a:xfrm flipV="1">
             <a:off x="4653697" y="3218877"/>
-            <a:ext cx="3533090" cy="1539702"/>
+            <a:ext cx="3533090" cy="1490611"/>
           </a:xfrm>
           <a:prstGeom prst="straightConnector1">
             <a:avLst/>
@@ -9932,7 +9933,7 @@
                   </a:schemeClr>
                 </a:solidFill>
               </a:rPr>
-              <a:t>F4-&gt;B3,B1,B4,B2</a:t>
+              <a:t>F4-&gt;B3,B1,B2,B4</a:t>
             </a:r>
           </a:p>
         </p:txBody>
@@ -10585,7 +10586,7 @@
         </p:nvSpPr>
         <p:spPr>
           <a:xfrm>
-            <a:off x="3899552" y="4367367"/>
+            <a:off x="3899552" y="4374036"/>
             <a:ext cx="754145" cy="782424"/>
           </a:xfrm>
           <a:prstGeom prst="ellipse">
@@ -10930,57 +10931,6 @@
           </a:fontRef>
         </p:style>
       </p:cxnSp>
-      <p:sp>
-        <p:nvSpPr>
-          <p:cNvPr id="62" name="Oval 61">
-            <a:extLst>
-              <a:ext uri="{FF2B5EF4-FFF2-40B4-BE49-F238E27FC236}">
-                <a16:creationId xmlns:a16="http://schemas.microsoft.com/office/drawing/2014/main" id="{5D4C9556-3118-43BF-B11E-A1B549B85383}"/>
-              </a:ext>
-            </a:extLst>
-          </p:cNvPr>
-          <p:cNvSpPr/>
-          <p:nvPr/>
-        </p:nvSpPr>
-        <p:spPr>
-          <a:xfrm>
-            <a:off x="2958445" y="3632860"/>
-            <a:ext cx="754145" cy="782424"/>
-          </a:xfrm>
-          <a:prstGeom prst="ellipse">
-            <a:avLst/>
-          </a:prstGeom>
-          <a:solidFill>
-            <a:srgbClr val="620DA9">
-              <a:alpha val="24706"/>
-            </a:srgbClr>
-          </a:solidFill>
-        </p:spPr>
-        <p:style>
-          <a:lnRef idx="2">
-            <a:schemeClr val="accent1">
-              <a:shade val="50000"/>
-            </a:schemeClr>
-          </a:lnRef>
-          <a:fillRef idx="1">
-            <a:schemeClr val="accent1"/>
-          </a:fillRef>
-          <a:effectRef idx="0">
-            <a:schemeClr val="accent1"/>
-          </a:effectRef>
-          <a:fontRef idx="minor">
-            <a:schemeClr val="lt1"/>
-          </a:fontRef>
-        </p:style>
-        <p:txBody>
-          <a:bodyPr rtlCol="0" anchor="ctr"/>
-          <a:lstStyle/>
-          <a:p>
-            <a:pPr algn="ctr"/>
-            <a:endParaRPr lang="en-US"/>
-          </a:p>
-        </p:txBody>
-      </p:sp>
     </p:spTree>
     <p:extLst>
       <p:ext uri="{BB962C8B-B14F-4D97-AF65-F5344CB8AC3E}">
@@ -11109,7 +11059,7 @@
                   </a:schemeClr>
                 </a:solidFill>
               </a:rPr>
-              <a:t>F4-&gt;B3,B1,B4,B2</a:t>
+              <a:t>F4-&gt;B3,B1,B2,B4</a:t>
             </a:r>
           </a:p>
         </p:txBody>
@@ -11660,7 +11610,7 @@
         </p:nvSpPr>
         <p:spPr>
           <a:xfrm>
-            <a:off x="3899552" y="4367367"/>
+            <a:off x="3899551" y="4315527"/>
             <a:ext cx="754145" cy="782424"/>
           </a:xfrm>
           <a:prstGeom prst="ellipse">
@@ -12346,7 +12296,7 @@
                   </a:schemeClr>
                 </a:solidFill>
               </a:rPr>
-              <a:t>F4-&gt;B3,B1,B4,B2</a:t>
+              <a:t>F4-&gt;B3,B1,B2,B4</a:t>
             </a:r>
           </a:p>
         </p:txBody>
@@ -12897,7 +12847,7 @@
         </p:nvSpPr>
         <p:spPr>
           <a:xfrm>
-            <a:off x="3899552" y="4367367"/>
+            <a:off x="3899552" y="4376405"/>
             <a:ext cx="754145" cy="782424"/>
           </a:xfrm>
           <a:prstGeom prst="ellipse">
@@ -13321,7 +13271,7 @@
         </p:nvSpPr>
         <p:spPr>
           <a:xfrm>
-            <a:off x="3871664" y="3632860"/>
+            <a:off x="4734608" y="3608517"/>
             <a:ext cx="754145" cy="782424"/>
           </a:xfrm>
           <a:prstGeom prst="ellipse">
@@ -13360,10 +13310,10 @@
       </p:sp>
       <p:sp>
         <p:nvSpPr>
-          <p:cNvPr id="23" name="Oval 22">
+          <p:cNvPr id="24" name="&quot;Not Allowed&quot; Symbol 23">
             <a:extLst>
               <a:ext uri="{FF2B5EF4-FFF2-40B4-BE49-F238E27FC236}">
-                <a16:creationId xmlns:a16="http://schemas.microsoft.com/office/drawing/2014/main" id="{4C5D8B6B-5EA1-4D05-8C0F-3F6A31E0BB35}"/>
+                <a16:creationId xmlns:a16="http://schemas.microsoft.com/office/drawing/2014/main" id="{4950655A-2CB4-466A-8045-2CA1FF9ABE47}"/>
               </a:ext>
             </a:extLst>
           </p:cNvPr>
@@ -13372,15 +13322,15 @@
         </p:nvSpPr>
         <p:spPr>
           <a:xfrm>
-            <a:off x="10583155" y="2850436"/>
-            <a:ext cx="754145" cy="782424"/>
-          </a:xfrm>
-          <a:prstGeom prst="ellipse">
+            <a:off x="10583156" y="2878317"/>
+            <a:ext cx="809135" cy="773386"/>
+          </a:xfrm>
+          <a:prstGeom prst="noSmoking">
             <a:avLst/>
           </a:prstGeom>
           <a:solidFill>
-            <a:srgbClr val="620DA9">
-              <a:alpha val="24706"/>
+            <a:srgbClr val="622641">
+              <a:alpha val="49020"/>
             </a:srgbClr>
           </a:solidFill>
         </p:spPr>
@@ -13405,10 +13355,165 @@
           <a:lstStyle/>
           <a:p>
             <a:pPr algn="ctr"/>
+            <a:endParaRPr lang="en-US">
+              <a:solidFill>
+                <a:schemeClr val="tx1"/>
+              </a:solidFill>
+            </a:endParaRPr>
+          </a:p>
+        </p:txBody>
+      </p:sp>
+      <p:sp>
+        <p:nvSpPr>
+          <p:cNvPr id="25" name="&quot;Not Allowed&quot; Symbol 24">
+            <a:extLst>
+              <a:ext uri="{FF2B5EF4-FFF2-40B4-BE49-F238E27FC236}">
+                <a16:creationId xmlns:a16="http://schemas.microsoft.com/office/drawing/2014/main" id="{E319A129-E354-4FF9-A1EF-8C835E47E5AA}"/>
+              </a:ext>
+            </a:extLst>
+          </p:cNvPr>
+          <p:cNvSpPr/>
+          <p:nvPr/>
+        </p:nvSpPr>
+        <p:spPr>
+          <a:xfrm>
+            <a:off x="3837494" y="3655632"/>
+            <a:ext cx="809135" cy="773386"/>
+          </a:xfrm>
+          <a:prstGeom prst="noSmoking">
+            <a:avLst/>
+          </a:prstGeom>
+          <a:solidFill>
+            <a:srgbClr val="622641">
+              <a:alpha val="49020"/>
+            </a:srgbClr>
+          </a:solidFill>
+        </p:spPr>
+        <p:style>
+          <a:lnRef idx="2">
+            <a:schemeClr val="accent1">
+              <a:shade val="50000"/>
+            </a:schemeClr>
+          </a:lnRef>
+          <a:fillRef idx="1">
+            <a:schemeClr val="accent1"/>
+          </a:fillRef>
+          <a:effectRef idx="0">
+            <a:schemeClr val="accent1"/>
+          </a:effectRef>
+          <a:fontRef idx="minor">
+            <a:schemeClr val="lt1"/>
+          </a:fontRef>
+        </p:style>
+        <p:txBody>
+          <a:bodyPr rtlCol="0" anchor="ctr"/>
+          <a:lstStyle/>
+          <a:p>
+            <a:pPr algn="ctr"/>
+            <a:endParaRPr lang="en-US">
+              <a:solidFill>
+                <a:schemeClr val="tx1"/>
+              </a:solidFill>
+            </a:endParaRPr>
+          </a:p>
+        </p:txBody>
+      </p:sp>
+      <p:sp>
+        <p:nvSpPr>
+          <p:cNvPr id="27" name="Oval 26">
+            <a:extLst>
+              <a:ext uri="{FF2B5EF4-FFF2-40B4-BE49-F238E27FC236}">
+                <a16:creationId xmlns:a16="http://schemas.microsoft.com/office/drawing/2014/main" id="{2BAA1669-DB90-4A80-B7FE-7E73783A6994}"/>
+              </a:ext>
+            </a:extLst>
+          </p:cNvPr>
+          <p:cNvSpPr/>
+          <p:nvPr/>
+        </p:nvSpPr>
+        <p:spPr>
+          <a:xfrm>
+            <a:off x="10610650" y="4406246"/>
+            <a:ext cx="754145" cy="782424"/>
+          </a:xfrm>
+          <a:prstGeom prst="ellipse">
+            <a:avLst/>
+          </a:prstGeom>
+          <a:solidFill>
+            <a:srgbClr val="620DA9">
+              <a:alpha val="24706"/>
+            </a:srgbClr>
+          </a:solidFill>
+        </p:spPr>
+        <p:style>
+          <a:lnRef idx="2">
+            <a:schemeClr val="accent1">
+              <a:shade val="50000"/>
+            </a:schemeClr>
+          </a:lnRef>
+          <a:fillRef idx="1">
+            <a:schemeClr val="accent1"/>
+          </a:fillRef>
+          <a:effectRef idx="0">
+            <a:schemeClr val="accent1"/>
+          </a:effectRef>
+          <a:fontRef idx="minor">
+            <a:schemeClr val="lt1"/>
+          </a:fontRef>
+        </p:style>
+        <p:txBody>
+          <a:bodyPr rtlCol="0" anchor="ctr"/>
+          <a:lstStyle/>
+          <a:p>
+            <a:pPr algn="ctr"/>
             <a:endParaRPr lang="en-US"/>
           </a:p>
         </p:txBody>
       </p:sp>
+      <p:cxnSp>
+        <p:nvCxnSpPr>
+          <p:cNvPr id="29" name="Straight Arrow Connector 28">
+            <a:extLst>
+              <a:ext uri="{FF2B5EF4-FFF2-40B4-BE49-F238E27FC236}">
+                <a16:creationId xmlns:a16="http://schemas.microsoft.com/office/drawing/2014/main" id="{42A8186F-C9FC-484F-835D-091F091EB914}"/>
+              </a:ext>
+            </a:extLst>
+          </p:cNvPr>
+          <p:cNvCxnSpPr>
+            <a:stCxn id="22" idx="6"/>
+            <a:endCxn id="27" idx="2"/>
+          </p:cNvCxnSpPr>
+          <p:nvPr/>
+        </p:nvCxnSpPr>
+        <p:spPr>
+          <a:xfrm>
+            <a:off x="5488753" y="3999729"/>
+            <a:ext cx="5121897" cy="797729"/>
+          </a:xfrm>
+          <a:prstGeom prst="straightConnector1">
+            <a:avLst/>
+          </a:prstGeom>
+          <a:ln w="38100">
+            <a:solidFill>
+              <a:srgbClr val="7030A0"/>
+            </a:solidFill>
+            <a:tailEnd type="triangle"/>
+          </a:ln>
+        </p:spPr>
+        <p:style>
+          <a:lnRef idx="1">
+            <a:schemeClr val="accent1"/>
+          </a:lnRef>
+          <a:fillRef idx="0">
+            <a:schemeClr val="accent1"/>
+          </a:fillRef>
+          <a:effectRef idx="0">
+            <a:schemeClr val="accent1"/>
+          </a:effectRef>
+          <a:fontRef idx="minor">
+            <a:schemeClr val="tx1"/>
+          </a:fontRef>
+        </p:style>
+      </p:cxnSp>
     </p:spTree>
     <p:extLst>
       <p:ext uri="{BB962C8B-B14F-4D97-AF65-F5344CB8AC3E}">
@@ -13426,6 +13531,1304 @@
 </file>
 
 <file path=ppt/slides/slide15.xml><?xml version="1.0" encoding="utf-8"?>
+<p:sld xmlns:a="http://schemas.openxmlformats.org/drawingml/2006/main" xmlns:r="http://schemas.openxmlformats.org/officeDocument/2006/relationships" xmlns:p="http://schemas.openxmlformats.org/presentationml/2006/main">
+  <p:cSld>
+    <p:spTree>
+      <p:nvGrpSpPr>
+        <p:cNvPr id="1" name=""/>
+        <p:cNvGrpSpPr/>
+        <p:nvPr/>
+      </p:nvGrpSpPr>
+      <p:grpSpPr>
+        <a:xfrm>
+          <a:off x="0" y="0"/>
+          <a:ext cx="0" cy="0"/>
+          <a:chOff x="0" y="0"/>
+          <a:chExt cx="0" cy="0"/>
+        </a:xfrm>
+      </p:grpSpPr>
+      <p:sp>
+        <p:nvSpPr>
+          <p:cNvPr id="4" name="Rectangle 3">
+            <a:extLst>
+              <a:ext uri="{FF2B5EF4-FFF2-40B4-BE49-F238E27FC236}">
+                <a16:creationId xmlns:a16="http://schemas.microsoft.com/office/drawing/2014/main" id="{C926A510-7AA2-4971-B0E2-4C5B04F80E75}"/>
+              </a:ext>
+            </a:extLst>
+          </p:cNvPr>
+          <p:cNvSpPr/>
+          <p:nvPr/>
+        </p:nvSpPr>
+        <p:spPr>
+          <a:xfrm>
+            <a:off x="546753" y="1593130"/>
+            <a:ext cx="5335572" cy="4062953"/>
+          </a:xfrm>
+          <a:prstGeom prst="rect">
+            <a:avLst/>
+          </a:prstGeom>
+          <a:solidFill>
+            <a:schemeClr val="accent2">
+              <a:lumMod val="40000"/>
+              <a:lumOff val="60000"/>
+            </a:schemeClr>
+          </a:solidFill>
+        </p:spPr>
+        <p:style>
+          <a:lnRef idx="2">
+            <a:schemeClr val="accent1">
+              <a:shade val="50000"/>
+            </a:schemeClr>
+          </a:lnRef>
+          <a:fillRef idx="1">
+            <a:schemeClr val="accent1"/>
+          </a:fillRef>
+          <a:effectRef idx="0">
+            <a:schemeClr val="accent1"/>
+          </a:effectRef>
+          <a:fontRef idx="minor">
+            <a:schemeClr val="lt1"/>
+          </a:fontRef>
+        </p:style>
+        <p:txBody>
+          <a:bodyPr rtlCol="0" anchor="ctr"/>
+          <a:lstStyle/>
+          <a:p>
+            <a:pPr algn="ctr"/>
+            <a:r>
+              <a:rPr lang="en-US" sz="4800" dirty="0">
+                <a:solidFill>
+                  <a:schemeClr val="bg2">
+                    <a:lumMod val="25000"/>
+                  </a:schemeClr>
+                </a:solidFill>
+              </a:rPr>
+              <a:t>F1-&gt;B2,B1,B3,B4</a:t>
+            </a:r>
+          </a:p>
+          <a:p>
+            <a:pPr algn="ctr"/>
+            <a:r>
+              <a:rPr lang="en-US" sz="4800" dirty="0">
+                <a:solidFill>
+                  <a:schemeClr val="bg2">
+                    <a:lumMod val="25000"/>
+                  </a:schemeClr>
+                </a:solidFill>
+              </a:rPr>
+              <a:t>F2-&gt;B3,B4,B1,B2</a:t>
+            </a:r>
+          </a:p>
+          <a:p>
+            <a:pPr algn="ctr"/>
+            <a:r>
+              <a:rPr lang="en-US" sz="4800" dirty="0">
+                <a:solidFill>
+                  <a:schemeClr val="bg2">
+                    <a:lumMod val="25000"/>
+                  </a:schemeClr>
+                </a:solidFill>
+              </a:rPr>
+              <a:t>F3-&gt;B3,B1,B2,B4</a:t>
+            </a:r>
+          </a:p>
+          <a:p>
+            <a:pPr algn="ctr"/>
+            <a:r>
+              <a:rPr lang="en-US" sz="4800" dirty="0">
+                <a:solidFill>
+                  <a:schemeClr val="bg2">
+                    <a:lumMod val="25000"/>
+                  </a:schemeClr>
+                </a:solidFill>
+              </a:rPr>
+              <a:t>F4-&gt;B3,B1,B2,B4</a:t>
+            </a:r>
+          </a:p>
+        </p:txBody>
+      </p:sp>
+      <p:sp>
+        <p:nvSpPr>
+          <p:cNvPr id="5" name="Rectangle 4">
+            <a:extLst>
+              <a:ext uri="{FF2B5EF4-FFF2-40B4-BE49-F238E27FC236}">
+                <a16:creationId xmlns:a16="http://schemas.microsoft.com/office/drawing/2014/main" id="{E0FE38FC-648C-464F-BC23-23644D9C94D9}"/>
+              </a:ext>
+            </a:extLst>
+          </p:cNvPr>
+          <p:cNvSpPr/>
+          <p:nvPr/>
+        </p:nvSpPr>
+        <p:spPr>
+          <a:xfrm>
+            <a:off x="6449504" y="1593129"/>
+            <a:ext cx="5335572" cy="4062953"/>
+          </a:xfrm>
+          <a:prstGeom prst="rect">
+            <a:avLst/>
+          </a:prstGeom>
+          <a:solidFill>
+            <a:schemeClr val="accent2">
+              <a:lumMod val="40000"/>
+              <a:lumOff val="60000"/>
+            </a:schemeClr>
+          </a:solidFill>
+        </p:spPr>
+        <p:style>
+          <a:lnRef idx="2">
+            <a:schemeClr val="accent1">
+              <a:shade val="50000"/>
+            </a:schemeClr>
+          </a:lnRef>
+          <a:fillRef idx="1">
+            <a:schemeClr val="accent1"/>
+          </a:fillRef>
+          <a:effectRef idx="0">
+            <a:schemeClr val="accent1"/>
+          </a:effectRef>
+          <a:fontRef idx="minor">
+            <a:schemeClr val="lt1"/>
+          </a:fontRef>
+        </p:style>
+        <p:txBody>
+          <a:bodyPr rtlCol="0" anchor="ctr"/>
+          <a:lstStyle/>
+          <a:p>
+            <a:pPr algn="ctr"/>
+            <a:r>
+              <a:rPr lang="en-US" sz="4800" dirty="0">
+                <a:solidFill>
+                  <a:schemeClr val="bg2">
+                    <a:lumMod val="25000"/>
+                  </a:schemeClr>
+                </a:solidFill>
+              </a:rPr>
+              <a:t>B1-&gt;F1,F3,F4,F2</a:t>
+            </a:r>
+          </a:p>
+          <a:p>
+            <a:pPr algn="ctr"/>
+            <a:r>
+              <a:rPr lang="en-US" sz="4800" dirty="0">
+                <a:solidFill>
+                  <a:schemeClr val="bg2">
+                    <a:lumMod val="25000"/>
+                  </a:schemeClr>
+                </a:solidFill>
+              </a:rPr>
+              <a:t>B2-&gt;F4,F1,F3,F2</a:t>
+            </a:r>
+          </a:p>
+          <a:p>
+            <a:pPr algn="ctr"/>
+            <a:r>
+              <a:rPr lang="en-US" sz="4800" dirty="0">
+                <a:solidFill>
+                  <a:schemeClr val="bg2">
+                    <a:lumMod val="25000"/>
+                  </a:schemeClr>
+                </a:solidFill>
+              </a:rPr>
+              <a:t>B3-&gt;F2,F1,F4,F3</a:t>
+            </a:r>
+          </a:p>
+          <a:p>
+            <a:pPr algn="ctr"/>
+            <a:r>
+              <a:rPr lang="en-US" sz="4800" dirty="0">
+                <a:solidFill>
+                  <a:schemeClr val="bg2">
+                    <a:lumMod val="25000"/>
+                  </a:schemeClr>
+                </a:solidFill>
+              </a:rPr>
+              <a:t>B4-&gt;F2,F1,F4,F3</a:t>
+            </a:r>
+          </a:p>
+        </p:txBody>
+      </p:sp>
+      <p:sp>
+        <p:nvSpPr>
+          <p:cNvPr id="6" name="Oval 5">
+            <a:extLst>
+              <a:ext uri="{FF2B5EF4-FFF2-40B4-BE49-F238E27FC236}">
+                <a16:creationId xmlns:a16="http://schemas.microsoft.com/office/drawing/2014/main" id="{EA47EEB6-4434-412A-BB2B-13F26CD7683A}"/>
+              </a:ext>
+            </a:extLst>
+          </p:cNvPr>
+          <p:cNvSpPr/>
+          <p:nvPr/>
+        </p:nvSpPr>
+        <p:spPr>
+          <a:xfrm>
+            <a:off x="2149310" y="2883817"/>
+            <a:ext cx="754145" cy="782424"/>
+          </a:xfrm>
+          <a:prstGeom prst="ellipse">
+            <a:avLst/>
+          </a:prstGeom>
+          <a:solidFill>
+            <a:srgbClr val="A53010">
+              <a:alpha val="25098"/>
+            </a:srgbClr>
+          </a:solidFill>
+        </p:spPr>
+        <p:style>
+          <a:lnRef idx="2">
+            <a:schemeClr val="accent1">
+              <a:shade val="50000"/>
+            </a:schemeClr>
+          </a:lnRef>
+          <a:fillRef idx="1">
+            <a:schemeClr val="accent1"/>
+          </a:fillRef>
+          <a:effectRef idx="0">
+            <a:schemeClr val="accent1"/>
+          </a:effectRef>
+          <a:fontRef idx="minor">
+            <a:schemeClr val="lt1"/>
+          </a:fontRef>
+        </p:style>
+        <p:txBody>
+          <a:bodyPr rtlCol="0" anchor="ctr"/>
+          <a:lstStyle/>
+          <a:p>
+            <a:pPr algn="ctr"/>
+            <a:endParaRPr lang="en-US"/>
+          </a:p>
+        </p:txBody>
+      </p:sp>
+      <p:sp>
+        <p:nvSpPr>
+          <p:cNvPr id="7" name="Oval 6">
+            <a:extLst>
+              <a:ext uri="{FF2B5EF4-FFF2-40B4-BE49-F238E27FC236}">
+                <a16:creationId xmlns:a16="http://schemas.microsoft.com/office/drawing/2014/main" id="{B12BD96B-386B-4606-B793-FFAF26531384}"/>
+              </a:ext>
+            </a:extLst>
+          </p:cNvPr>
+          <p:cNvSpPr/>
+          <p:nvPr/>
+        </p:nvSpPr>
+        <p:spPr>
+          <a:xfrm>
+            <a:off x="8214674" y="3611251"/>
+            <a:ext cx="754145" cy="782424"/>
+          </a:xfrm>
+          <a:prstGeom prst="ellipse">
+            <a:avLst/>
+          </a:prstGeom>
+          <a:solidFill>
+            <a:srgbClr val="A53010">
+              <a:alpha val="25098"/>
+            </a:srgbClr>
+          </a:solidFill>
+        </p:spPr>
+        <p:style>
+          <a:lnRef idx="2">
+            <a:schemeClr val="accent1">
+              <a:shade val="50000"/>
+            </a:schemeClr>
+          </a:lnRef>
+          <a:fillRef idx="1">
+            <a:schemeClr val="accent1"/>
+          </a:fillRef>
+          <a:effectRef idx="0">
+            <a:schemeClr val="accent1"/>
+          </a:effectRef>
+          <a:fontRef idx="minor">
+            <a:schemeClr val="lt1"/>
+          </a:fontRef>
+        </p:style>
+        <p:txBody>
+          <a:bodyPr rtlCol="0" anchor="ctr"/>
+          <a:lstStyle/>
+          <a:p>
+            <a:pPr algn="ctr"/>
+            <a:endParaRPr lang="en-US"/>
+          </a:p>
+        </p:txBody>
+      </p:sp>
+      <p:sp>
+        <p:nvSpPr>
+          <p:cNvPr id="8" name="&quot;Not Allowed&quot; Symbol 7">
+            <a:extLst>
+              <a:ext uri="{FF2B5EF4-FFF2-40B4-BE49-F238E27FC236}">
+                <a16:creationId xmlns:a16="http://schemas.microsoft.com/office/drawing/2014/main" id="{5D749AD0-407B-4A67-A959-A79A86626642}"/>
+              </a:ext>
+            </a:extLst>
+          </p:cNvPr>
+          <p:cNvSpPr/>
+          <p:nvPr/>
+        </p:nvSpPr>
+        <p:spPr>
+          <a:xfrm>
+            <a:off x="10583156" y="3634034"/>
+            <a:ext cx="809135" cy="773386"/>
+          </a:xfrm>
+          <a:prstGeom prst="noSmoking">
+            <a:avLst/>
+          </a:prstGeom>
+          <a:solidFill>
+            <a:srgbClr val="622641">
+              <a:alpha val="49020"/>
+            </a:srgbClr>
+          </a:solidFill>
+        </p:spPr>
+        <p:style>
+          <a:lnRef idx="2">
+            <a:schemeClr val="accent1">
+              <a:shade val="50000"/>
+            </a:schemeClr>
+          </a:lnRef>
+          <a:fillRef idx="1">
+            <a:schemeClr val="accent1"/>
+          </a:fillRef>
+          <a:effectRef idx="0">
+            <a:schemeClr val="accent1"/>
+          </a:effectRef>
+          <a:fontRef idx="minor">
+            <a:schemeClr val="lt1"/>
+          </a:fontRef>
+        </p:style>
+        <p:txBody>
+          <a:bodyPr rtlCol="0" anchor="ctr"/>
+          <a:lstStyle/>
+          <a:p>
+            <a:pPr algn="ctr"/>
+            <a:endParaRPr lang="en-US">
+              <a:solidFill>
+                <a:schemeClr val="tx1"/>
+              </a:solidFill>
+            </a:endParaRPr>
+          </a:p>
+        </p:txBody>
+      </p:sp>
+      <p:sp>
+        <p:nvSpPr>
+          <p:cNvPr id="9" name="&quot;Not Allowed&quot; Symbol 8">
+            <a:extLst>
+              <a:ext uri="{FF2B5EF4-FFF2-40B4-BE49-F238E27FC236}">
+                <a16:creationId xmlns:a16="http://schemas.microsoft.com/office/drawing/2014/main" id="{F16D6393-473A-43F3-847E-943C791DAEB4}"/>
+              </a:ext>
+            </a:extLst>
+          </p:cNvPr>
+          <p:cNvSpPr/>
+          <p:nvPr/>
+        </p:nvSpPr>
+        <p:spPr>
+          <a:xfrm>
+            <a:off x="2094320" y="3632860"/>
+            <a:ext cx="809135" cy="773386"/>
+          </a:xfrm>
+          <a:prstGeom prst="noSmoking">
+            <a:avLst/>
+          </a:prstGeom>
+          <a:solidFill>
+            <a:srgbClr val="622641">
+              <a:alpha val="49020"/>
+            </a:srgbClr>
+          </a:solidFill>
+        </p:spPr>
+        <p:style>
+          <a:lnRef idx="2">
+            <a:schemeClr val="accent1">
+              <a:shade val="50000"/>
+            </a:schemeClr>
+          </a:lnRef>
+          <a:fillRef idx="1">
+            <a:schemeClr val="accent1"/>
+          </a:fillRef>
+          <a:effectRef idx="0">
+            <a:schemeClr val="accent1"/>
+          </a:effectRef>
+          <a:fontRef idx="minor">
+            <a:schemeClr val="lt1"/>
+          </a:fontRef>
+        </p:style>
+        <p:txBody>
+          <a:bodyPr rtlCol="0" anchor="ctr"/>
+          <a:lstStyle/>
+          <a:p>
+            <a:pPr algn="ctr"/>
+            <a:endParaRPr lang="en-US">
+              <a:solidFill>
+                <a:schemeClr val="tx1"/>
+              </a:solidFill>
+            </a:endParaRPr>
+          </a:p>
+        </p:txBody>
+      </p:sp>
+      <p:sp>
+        <p:nvSpPr>
+          <p:cNvPr id="10" name="&quot;Not Allowed&quot; Symbol 9">
+            <a:extLst>
+              <a:ext uri="{FF2B5EF4-FFF2-40B4-BE49-F238E27FC236}">
+                <a16:creationId xmlns:a16="http://schemas.microsoft.com/office/drawing/2014/main" id="{2F6543D5-6D08-4A78-88EA-E1E6B148D28F}"/>
+              </a:ext>
+            </a:extLst>
+          </p:cNvPr>
+          <p:cNvSpPr/>
+          <p:nvPr/>
+        </p:nvSpPr>
+        <p:spPr>
+          <a:xfrm>
+            <a:off x="2079392" y="4376405"/>
+            <a:ext cx="809135" cy="773386"/>
+          </a:xfrm>
+          <a:prstGeom prst="noSmoking">
+            <a:avLst/>
+          </a:prstGeom>
+          <a:solidFill>
+            <a:srgbClr val="622641">
+              <a:alpha val="49020"/>
+            </a:srgbClr>
+          </a:solidFill>
+        </p:spPr>
+        <p:style>
+          <a:lnRef idx="2">
+            <a:schemeClr val="accent1">
+              <a:shade val="50000"/>
+            </a:schemeClr>
+          </a:lnRef>
+          <a:fillRef idx="1">
+            <a:schemeClr val="accent1"/>
+          </a:fillRef>
+          <a:effectRef idx="0">
+            <a:schemeClr val="accent1"/>
+          </a:effectRef>
+          <a:fontRef idx="minor">
+            <a:schemeClr val="lt1"/>
+          </a:fontRef>
+        </p:style>
+        <p:txBody>
+          <a:bodyPr rtlCol="0" anchor="ctr"/>
+          <a:lstStyle/>
+          <a:p>
+            <a:pPr algn="ctr"/>
+            <a:endParaRPr lang="en-US">
+              <a:solidFill>
+                <a:schemeClr val="tx1"/>
+              </a:solidFill>
+            </a:endParaRPr>
+          </a:p>
+        </p:txBody>
+      </p:sp>
+      <p:sp>
+        <p:nvSpPr>
+          <p:cNvPr id="11" name="&quot;Not Allowed&quot; Symbol 10">
+            <a:extLst>
+              <a:ext uri="{FF2B5EF4-FFF2-40B4-BE49-F238E27FC236}">
+                <a16:creationId xmlns:a16="http://schemas.microsoft.com/office/drawing/2014/main" id="{6ED8C207-ED13-49CE-AAF1-5B05A8F1210D}"/>
+              </a:ext>
+            </a:extLst>
+          </p:cNvPr>
+          <p:cNvSpPr/>
+          <p:nvPr/>
+        </p:nvSpPr>
+        <p:spPr>
+          <a:xfrm>
+            <a:off x="9720605" y="3603019"/>
+            <a:ext cx="809135" cy="773386"/>
+          </a:xfrm>
+          <a:prstGeom prst="noSmoking">
+            <a:avLst/>
+          </a:prstGeom>
+          <a:solidFill>
+            <a:srgbClr val="622641">
+              <a:alpha val="49020"/>
+            </a:srgbClr>
+          </a:solidFill>
+        </p:spPr>
+        <p:style>
+          <a:lnRef idx="2">
+            <a:schemeClr val="accent1">
+              <a:shade val="50000"/>
+            </a:schemeClr>
+          </a:lnRef>
+          <a:fillRef idx="1">
+            <a:schemeClr val="accent1"/>
+          </a:fillRef>
+          <a:effectRef idx="0">
+            <a:schemeClr val="accent1"/>
+          </a:effectRef>
+          <a:fontRef idx="minor">
+            <a:schemeClr val="lt1"/>
+          </a:fontRef>
+        </p:style>
+        <p:txBody>
+          <a:bodyPr rtlCol="0" anchor="ctr"/>
+          <a:lstStyle/>
+          <a:p>
+            <a:pPr algn="ctr"/>
+            <a:endParaRPr lang="en-US">
+              <a:solidFill>
+                <a:schemeClr val="tx1"/>
+              </a:solidFill>
+            </a:endParaRPr>
+          </a:p>
+        </p:txBody>
+      </p:sp>
+      <p:sp>
+        <p:nvSpPr>
+          <p:cNvPr id="12" name="&quot;Not Allowed&quot; Symbol 11">
+            <a:extLst>
+              <a:ext uri="{FF2B5EF4-FFF2-40B4-BE49-F238E27FC236}">
+                <a16:creationId xmlns:a16="http://schemas.microsoft.com/office/drawing/2014/main" id="{C25D34B8-FCEA-4AEA-BA55-94756705AC45}"/>
+              </a:ext>
+            </a:extLst>
+          </p:cNvPr>
+          <p:cNvSpPr/>
+          <p:nvPr/>
+        </p:nvSpPr>
+        <p:spPr>
+          <a:xfrm>
+            <a:off x="2936444" y="4406246"/>
+            <a:ext cx="809135" cy="773386"/>
+          </a:xfrm>
+          <a:prstGeom prst="noSmoking">
+            <a:avLst/>
+          </a:prstGeom>
+          <a:solidFill>
+            <a:srgbClr val="622641">
+              <a:alpha val="49020"/>
+            </a:srgbClr>
+          </a:solidFill>
+        </p:spPr>
+        <p:style>
+          <a:lnRef idx="2">
+            <a:schemeClr val="accent1">
+              <a:shade val="50000"/>
+            </a:schemeClr>
+          </a:lnRef>
+          <a:fillRef idx="1">
+            <a:schemeClr val="accent1"/>
+          </a:fillRef>
+          <a:effectRef idx="0">
+            <a:schemeClr val="accent1"/>
+          </a:effectRef>
+          <a:fontRef idx="minor">
+            <a:schemeClr val="lt1"/>
+          </a:fontRef>
+        </p:style>
+        <p:txBody>
+          <a:bodyPr rtlCol="0" anchor="ctr"/>
+          <a:lstStyle/>
+          <a:p>
+            <a:pPr algn="ctr"/>
+            <a:endParaRPr lang="en-US">
+              <a:solidFill>
+                <a:schemeClr val="tx1"/>
+              </a:solidFill>
+            </a:endParaRPr>
+          </a:p>
+        </p:txBody>
+      </p:sp>
+      <p:sp>
+        <p:nvSpPr>
+          <p:cNvPr id="13" name="&quot;Not Allowed&quot; Symbol 12">
+            <a:extLst>
+              <a:ext uri="{FF2B5EF4-FFF2-40B4-BE49-F238E27FC236}">
+                <a16:creationId xmlns:a16="http://schemas.microsoft.com/office/drawing/2014/main" id="{61E15508-9B44-464E-9F4A-83F6FD2A182C}"/>
+              </a:ext>
+            </a:extLst>
+          </p:cNvPr>
+          <p:cNvSpPr/>
+          <p:nvPr/>
+        </p:nvSpPr>
+        <p:spPr>
+          <a:xfrm>
+            <a:off x="9720604" y="2152066"/>
+            <a:ext cx="809135" cy="773386"/>
+          </a:xfrm>
+          <a:prstGeom prst="noSmoking">
+            <a:avLst/>
+          </a:prstGeom>
+          <a:solidFill>
+            <a:srgbClr val="622641">
+              <a:alpha val="49020"/>
+            </a:srgbClr>
+          </a:solidFill>
+        </p:spPr>
+        <p:style>
+          <a:lnRef idx="2">
+            <a:schemeClr val="accent1">
+              <a:shade val="50000"/>
+            </a:schemeClr>
+          </a:lnRef>
+          <a:fillRef idx="1">
+            <a:schemeClr val="accent1"/>
+          </a:fillRef>
+          <a:effectRef idx="0">
+            <a:schemeClr val="accent1"/>
+          </a:effectRef>
+          <a:fontRef idx="minor">
+            <a:schemeClr val="lt1"/>
+          </a:fontRef>
+        </p:style>
+        <p:txBody>
+          <a:bodyPr rtlCol="0" anchor="ctr"/>
+          <a:lstStyle/>
+          <a:p>
+            <a:pPr algn="ctr"/>
+            <a:endParaRPr lang="en-US">
+              <a:solidFill>
+                <a:schemeClr val="tx1"/>
+              </a:solidFill>
+            </a:endParaRPr>
+          </a:p>
+        </p:txBody>
+      </p:sp>
+      <p:sp>
+        <p:nvSpPr>
+          <p:cNvPr id="14" name="Oval 13">
+            <a:extLst>
+              <a:ext uri="{FF2B5EF4-FFF2-40B4-BE49-F238E27FC236}">
+                <a16:creationId xmlns:a16="http://schemas.microsoft.com/office/drawing/2014/main" id="{32B850CF-AE81-4590-8199-72E95E568055}"/>
+              </a:ext>
+            </a:extLst>
+          </p:cNvPr>
+          <p:cNvSpPr/>
+          <p:nvPr/>
+        </p:nvSpPr>
+        <p:spPr>
+          <a:xfrm>
+            <a:off x="3899552" y="4376405"/>
+            <a:ext cx="754145" cy="782424"/>
+          </a:xfrm>
+          <a:prstGeom prst="ellipse">
+            <a:avLst/>
+          </a:prstGeom>
+          <a:solidFill>
+            <a:srgbClr val="FFFF00">
+              <a:alpha val="24706"/>
+            </a:srgbClr>
+          </a:solidFill>
+        </p:spPr>
+        <p:style>
+          <a:lnRef idx="2">
+            <a:schemeClr val="accent1">
+              <a:shade val="50000"/>
+            </a:schemeClr>
+          </a:lnRef>
+          <a:fillRef idx="1">
+            <a:schemeClr val="accent1"/>
+          </a:fillRef>
+          <a:effectRef idx="0">
+            <a:schemeClr val="accent1"/>
+          </a:effectRef>
+          <a:fontRef idx="minor">
+            <a:schemeClr val="lt1"/>
+          </a:fontRef>
+        </p:style>
+        <p:txBody>
+          <a:bodyPr rtlCol="0" anchor="ctr"/>
+          <a:lstStyle/>
+          <a:p>
+            <a:pPr algn="ctr"/>
+            <a:endParaRPr lang="en-US"/>
+          </a:p>
+        </p:txBody>
+      </p:sp>
+      <p:sp>
+        <p:nvSpPr>
+          <p:cNvPr id="15" name="Oval 14">
+            <a:extLst>
+              <a:ext uri="{FF2B5EF4-FFF2-40B4-BE49-F238E27FC236}">
+                <a16:creationId xmlns:a16="http://schemas.microsoft.com/office/drawing/2014/main" id="{278BA2ED-3203-48BC-8B40-AC7F823968D1}"/>
+              </a:ext>
+            </a:extLst>
+          </p:cNvPr>
+          <p:cNvSpPr/>
+          <p:nvPr/>
+        </p:nvSpPr>
+        <p:spPr>
+          <a:xfrm>
+            <a:off x="8186787" y="2827665"/>
+            <a:ext cx="754145" cy="782424"/>
+          </a:xfrm>
+          <a:prstGeom prst="ellipse">
+            <a:avLst/>
+          </a:prstGeom>
+          <a:solidFill>
+            <a:srgbClr val="FFFF00">
+              <a:alpha val="24706"/>
+            </a:srgbClr>
+          </a:solidFill>
+        </p:spPr>
+        <p:style>
+          <a:lnRef idx="2">
+            <a:schemeClr val="accent1">
+              <a:shade val="50000"/>
+            </a:schemeClr>
+          </a:lnRef>
+          <a:fillRef idx="1">
+            <a:schemeClr val="accent1"/>
+          </a:fillRef>
+          <a:effectRef idx="0">
+            <a:schemeClr val="accent1"/>
+          </a:effectRef>
+          <a:fontRef idx="minor">
+            <a:schemeClr val="lt1"/>
+          </a:fontRef>
+        </p:style>
+        <p:txBody>
+          <a:bodyPr rtlCol="0" anchor="ctr"/>
+          <a:lstStyle/>
+          <a:p>
+            <a:pPr algn="ctr"/>
+            <a:endParaRPr lang="en-US"/>
+          </a:p>
+        </p:txBody>
+      </p:sp>
+      <p:sp>
+        <p:nvSpPr>
+          <p:cNvPr id="16" name="&quot;Not Allowed&quot; Symbol 15">
+            <a:extLst>
+              <a:ext uri="{FF2B5EF4-FFF2-40B4-BE49-F238E27FC236}">
+                <a16:creationId xmlns:a16="http://schemas.microsoft.com/office/drawing/2014/main" id="{C85E12D5-2A1C-4FDC-9730-754BB10C36B5}"/>
+              </a:ext>
+            </a:extLst>
+          </p:cNvPr>
+          <p:cNvSpPr/>
+          <p:nvPr/>
+        </p:nvSpPr>
+        <p:spPr>
+          <a:xfrm>
+            <a:off x="2149310" y="2073132"/>
+            <a:ext cx="809135" cy="773386"/>
+          </a:xfrm>
+          <a:prstGeom prst="noSmoking">
+            <a:avLst/>
+          </a:prstGeom>
+          <a:solidFill>
+            <a:srgbClr val="622641">
+              <a:alpha val="49020"/>
+            </a:srgbClr>
+          </a:solidFill>
+        </p:spPr>
+        <p:style>
+          <a:lnRef idx="2">
+            <a:schemeClr val="accent1">
+              <a:shade val="50000"/>
+            </a:schemeClr>
+          </a:lnRef>
+          <a:fillRef idx="1">
+            <a:schemeClr val="accent1"/>
+          </a:fillRef>
+          <a:effectRef idx="0">
+            <a:schemeClr val="accent1"/>
+          </a:effectRef>
+          <a:fontRef idx="minor">
+            <a:schemeClr val="lt1"/>
+          </a:fontRef>
+        </p:style>
+        <p:txBody>
+          <a:bodyPr rtlCol="0" anchor="ctr"/>
+          <a:lstStyle/>
+          <a:p>
+            <a:pPr algn="ctr"/>
+            <a:endParaRPr lang="en-US">
+              <a:solidFill>
+                <a:schemeClr val="tx1"/>
+              </a:solidFill>
+            </a:endParaRPr>
+          </a:p>
+        </p:txBody>
+      </p:sp>
+      <p:sp>
+        <p:nvSpPr>
+          <p:cNvPr id="17" name="&quot;Not Allowed&quot; Symbol 16">
+            <a:extLst>
+              <a:ext uri="{FF2B5EF4-FFF2-40B4-BE49-F238E27FC236}">
+                <a16:creationId xmlns:a16="http://schemas.microsoft.com/office/drawing/2014/main" id="{DCB4CD1F-9E06-4F79-9BDD-F38365670910}"/>
+              </a:ext>
+            </a:extLst>
+          </p:cNvPr>
+          <p:cNvSpPr/>
+          <p:nvPr/>
+        </p:nvSpPr>
+        <p:spPr>
+          <a:xfrm>
+            <a:off x="8858053" y="2882246"/>
+            <a:ext cx="809135" cy="773386"/>
+          </a:xfrm>
+          <a:prstGeom prst="noSmoking">
+            <a:avLst/>
+          </a:prstGeom>
+          <a:solidFill>
+            <a:srgbClr val="622641">
+              <a:alpha val="49020"/>
+            </a:srgbClr>
+          </a:solidFill>
+        </p:spPr>
+        <p:style>
+          <a:lnRef idx="2">
+            <a:schemeClr val="accent1">
+              <a:shade val="50000"/>
+            </a:schemeClr>
+          </a:lnRef>
+          <a:fillRef idx="1">
+            <a:schemeClr val="accent1"/>
+          </a:fillRef>
+          <a:effectRef idx="0">
+            <a:schemeClr val="accent1"/>
+          </a:effectRef>
+          <a:fontRef idx="minor">
+            <a:schemeClr val="lt1"/>
+          </a:fontRef>
+        </p:style>
+        <p:txBody>
+          <a:bodyPr rtlCol="0" anchor="ctr"/>
+          <a:lstStyle/>
+          <a:p>
+            <a:pPr algn="ctr"/>
+            <a:endParaRPr lang="en-US">
+              <a:solidFill>
+                <a:schemeClr val="tx1"/>
+              </a:solidFill>
+            </a:endParaRPr>
+          </a:p>
+        </p:txBody>
+      </p:sp>
+      <p:sp>
+        <p:nvSpPr>
+          <p:cNvPr id="18" name="Oval 17">
+            <a:extLst>
+              <a:ext uri="{FF2B5EF4-FFF2-40B4-BE49-F238E27FC236}">
+                <a16:creationId xmlns:a16="http://schemas.microsoft.com/office/drawing/2014/main" id="{83038B38-753E-4FD4-9CD4-7AB837D510A2}"/>
+              </a:ext>
+            </a:extLst>
+          </p:cNvPr>
+          <p:cNvSpPr/>
+          <p:nvPr/>
+        </p:nvSpPr>
+        <p:spPr>
+          <a:xfrm>
+            <a:off x="3011861" y="2107288"/>
+            <a:ext cx="754145" cy="782424"/>
+          </a:xfrm>
+          <a:prstGeom prst="ellipse">
+            <a:avLst/>
+          </a:prstGeom>
+          <a:solidFill>
+            <a:schemeClr val="accent6">
+              <a:alpha val="25098"/>
+            </a:schemeClr>
+          </a:solidFill>
+        </p:spPr>
+        <p:style>
+          <a:lnRef idx="2">
+            <a:schemeClr val="accent1">
+              <a:shade val="50000"/>
+            </a:schemeClr>
+          </a:lnRef>
+          <a:fillRef idx="1">
+            <a:schemeClr val="accent1"/>
+          </a:fillRef>
+          <a:effectRef idx="0">
+            <a:schemeClr val="accent1"/>
+          </a:effectRef>
+          <a:fontRef idx="minor">
+            <a:schemeClr val="lt1"/>
+          </a:fontRef>
+        </p:style>
+        <p:txBody>
+          <a:bodyPr rtlCol="0" anchor="ctr"/>
+          <a:lstStyle/>
+          <a:p>
+            <a:pPr algn="ctr"/>
+            <a:endParaRPr lang="en-US"/>
+          </a:p>
+        </p:txBody>
+      </p:sp>
+      <p:sp>
+        <p:nvSpPr>
+          <p:cNvPr id="19" name="Oval 18">
+            <a:extLst>
+              <a:ext uri="{FF2B5EF4-FFF2-40B4-BE49-F238E27FC236}">
+                <a16:creationId xmlns:a16="http://schemas.microsoft.com/office/drawing/2014/main" id="{FA64626B-3DE4-46DD-BB80-A51B146A811C}"/>
+              </a:ext>
+            </a:extLst>
+          </p:cNvPr>
+          <p:cNvSpPr/>
+          <p:nvPr/>
+        </p:nvSpPr>
+        <p:spPr>
+          <a:xfrm>
+            <a:off x="8132190" y="2107288"/>
+            <a:ext cx="754145" cy="782424"/>
+          </a:xfrm>
+          <a:prstGeom prst="ellipse">
+            <a:avLst/>
+          </a:prstGeom>
+          <a:solidFill>
+            <a:schemeClr val="accent6">
+              <a:alpha val="25098"/>
+            </a:schemeClr>
+          </a:solidFill>
+        </p:spPr>
+        <p:style>
+          <a:lnRef idx="2">
+            <a:schemeClr val="accent1">
+              <a:shade val="50000"/>
+            </a:schemeClr>
+          </a:lnRef>
+          <a:fillRef idx="1">
+            <a:schemeClr val="accent1"/>
+          </a:fillRef>
+          <a:effectRef idx="0">
+            <a:schemeClr val="accent1"/>
+          </a:effectRef>
+          <a:fontRef idx="minor">
+            <a:schemeClr val="lt1"/>
+          </a:fontRef>
+        </p:style>
+        <p:txBody>
+          <a:bodyPr rtlCol="0" anchor="ctr"/>
+          <a:lstStyle/>
+          <a:p>
+            <a:pPr algn="ctr"/>
+            <a:endParaRPr lang="en-US"/>
+          </a:p>
+        </p:txBody>
+      </p:sp>
+      <p:sp>
+        <p:nvSpPr>
+          <p:cNvPr id="20" name="&quot;Not Allowed&quot; Symbol 19">
+            <a:extLst>
+              <a:ext uri="{FF2B5EF4-FFF2-40B4-BE49-F238E27FC236}">
+                <a16:creationId xmlns:a16="http://schemas.microsoft.com/office/drawing/2014/main" id="{91D2D6E2-3A6B-4433-B325-0BF1725B3351}"/>
+              </a:ext>
+            </a:extLst>
+          </p:cNvPr>
+          <p:cNvSpPr/>
+          <p:nvPr/>
+        </p:nvSpPr>
+        <p:spPr>
+          <a:xfrm>
+            <a:off x="2931342" y="3632860"/>
+            <a:ext cx="809135" cy="773386"/>
+          </a:xfrm>
+          <a:prstGeom prst="noSmoking">
+            <a:avLst/>
+          </a:prstGeom>
+          <a:solidFill>
+            <a:srgbClr val="622641">
+              <a:alpha val="49020"/>
+            </a:srgbClr>
+          </a:solidFill>
+        </p:spPr>
+        <p:style>
+          <a:lnRef idx="2">
+            <a:schemeClr val="accent1">
+              <a:shade val="50000"/>
+            </a:schemeClr>
+          </a:lnRef>
+          <a:fillRef idx="1">
+            <a:schemeClr val="accent1"/>
+          </a:fillRef>
+          <a:effectRef idx="0">
+            <a:schemeClr val="accent1"/>
+          </a:effectRef>
+          <a:fontRef idx="minor">
+            <a:schemeClr val="lt1"/>
+          </a:fontRef>
+        </p:style>
+        <p:txBody>
+          <a:bodyPr rtlCol="0" anchor="ctr"/>
+          <a:lstStyle/>
+          <a:p>
+            <a:pPr algn="ctr"/>
+            <a:endParaRPr lang="en-US">
+              <a:solidFill>
+                <a:schemeClr val="tx1"/>
+              </a:solidFill>
+            </a:endParaRPr>
+          </a:p>
+        </p:txBody>
+      </p:sp>
+      <p:sp>
+        <p:nvSpPr>
+          <p:cNvPr id="21" name="&quot;Not Allowed&quot; Symbol 20">
+            <a:extLst>
+              <a:ext uri="{FF2B5EF4-FFF2-40B4-BE49-F238E27FC236}">
+                <a16:creationId xmlns:a16="http://schemas.microsoft.com/office/drawing/2014/main" id="{A28F48CB-B314-4E82-A513-8EF9C0C4A210}"/>
+              </a:ext>
+            </a:extLst>
+          </p:cNvPr>
+          <p:cNvSpPr/>
+          <p:nvPr/>
+        </p:nvSpPr>
+        <p:spPr>
+          <a:xfrm>
+            <a:off x="8911469" y="2134395"/>
+            <a:ext cx="809135" cy="773386"/>
+          </a:xfrm>
+          <a:prstGeom prst="noSmoking">
+            <a:avLst/>
+          </a:prstGeom>
+          <a:solidFill>
+            <a:srgbClr val="622641">
+              <a:alpha val="49020"/>
+            </a:srgbClr>
+          </a:solidFill>
+        </p:spPr>
+        <p:style>
+          <a:lnRef idx="2">
+            <a:schemeClr val="accent1">
+              <a:shade val="50000"/>
+            </a:schemeClr>
+          </a:lnRef>
+          <a:fillRef idx="1">
+            <a:schemeClr val="accent1"/>
+          </a:fillRef>
+          <a:effectRef idx="0">
+            <a:schemeClr val="accent1"/>
+          </a:effectRef>
+          <a:fontRef idx="minor">
+            <a:schemeClr val="lt1"/>
+          </a:fontRef>
+        </p:style>
+        <p:txBody>
+          <a:bodyPr rtlCol="0" anchor="ctr"/>
+          <a:lstStyle/>
+          <a:p>
+            <a:pPr algn="ctr"/>
+            <a:endParaRPr lang="en-US">
+              <a:solidFill>
+                <a:schemeClr val="tx1"/>
+              </a:solidFill>
+            </a:endParaRPr>
+          </a:p>
+        </p:txBody>
+      </p:sp>
+      <p:sp>
+        <p:nvSpPr>
+          <p:cNvPr id="22" name="Oval 21">
+            <a:extLst>
+              <a:ext uri="{FF2B5EF4-FFF2-40B4-BE49-F238E27FC236}">
+                <a16:creationId xmlns:a16="http://schemas.microsoft.com/office/drawing/2014/main" id="{C472E3D5-6269-49B5-9B46-50C81EDC04FD}"/>
+              </a:ext>
+            </a:extLst>
+          </p:cNvPr>
+          <p:cNvSpPr/>
+          <p:nvPr/>
+        </p:nvSpPr>
+        <p:spPr>
+          <a:xfrm>
+            <a:off x="4734608" y="3608517"/>
+            <a:ext cx="754145" cy="782424"/>
+          </a:xfrm>
+          <a:prstGeom prst="ellipse">
+            <a:avLst/>
+          </a:prstGeom>
+          <a:solidFill>
+            <a:srgbClr val="620DA9">
+              <a:alpha val="24706"/>
+            </a:srgbClr>
+          </a:solidFill>
+        </p:spPr>
+        <p:style>
+          <a:lnRef idx="2">
+            <a:schemeClr val="accent1">
+              <a:shade val="50000"/>
+            </a:schemeClr>
+          </a:lnRef>
+          <a:fillRef idx="1">
+            <a:schemeClr val="accent1"/>
+          </a:fillRef>
+          <a:effectRef idx="0">
+            <a:schemeClr val="accent1"/>
+          </a:effectRef>
+          <a:fontRef idx="minor">
+            <a:schemeClr val="lt1"/>
+          </a:fontRef>
+        </p:style>
+        <p:txBody>
+          <a:bodyPr rtlCol="0" anchor="ctr"/>
+          <a:lstStyle/>
+          <a:p>
+            <a:pPr algn="ctr"/>
+            <a:endParaRPr lang="en-US"/>
+          </a:p>
+        </p:txBody>
+      </p:sp>
+      <p:sp>
+        <p:nvSpPr>
+          <p:cNvPr id="23" name="&quot;Not Allowed&quot; Symbol 22">
+            <a:extLst>
+              <a:ext uri="{FF2B5EF4-FFF2-40B4-BE49-F238E27FC236}">
+                <a16:creationId xmlns:a16="http://schemas.microsoft.com/office/drawing/2014/main" id="{F4E0BCEA-2374-4AAC-9005-ECEB67BFD1C3}"/>
+              </a:ext>
+            </a:extLst>
+          </p:cNvPr>
+          <p:cNvSpPr/>
+          <p:nvPr/>
+        </p:nvSpPr>
+        <p:spPr>
+          <a:xfrm>
+            <a:off x="10583156" y="2878317"/>
+            <a:ext cx="809135" cy="773386"/>
+          </a:xfrm>
+          <a:prstGeom prst="noSmoking">
+            <a:avLst/>
+          </a:prstGeom>
+          <a:solidFill>
+            <a:srgbClr val="622641">
+              <a:alpha val="49020"/>
+            </a:srgbClr>
+          </a:solidFill>
+        </p:spPr>
+        <p:style>
+          <a:lnRef idx="2">
+            <a:schemeClr val="accent1">
+              <a:shade val="50000"/>
+            </a:schemeClr>
+          </a:lnRef>
+          <a:fillRef idx="1">
+            <a:schemeClr val="accent1"/>
+          </a:fillRef>
+          <a:effectRef idx="0">
+            <a:schemeClr val="accent1"/>
+          </a:effectRef>
+          <a:fontRef idx="minor">
+            <a:schemeClr val="lt1"/>
+          </a:fontRef>
+        </p:style>
+        <p:txBody>
+          <a:bodyPr rtlCol="0" anchor="ctr"/>
+          <a:lstStyle/>
+          <a:p>
+            <a:pPr algn="ctr"/>
+            <a:endParaRPr lang="en-US">
+              <a:solidFill>
+                <a:schemeClr val="tx1"/>
+              </a:solidFill>
+            </a:endParaRPr>
+          </a:p>
+        </p:txBody>
+      </p:sp>
+      <p:sp>
+        <p:nvSpPr>
+          <p:cNvPr id="24" name="&quot;Not Allowed&quot; Symbol 23">
+            <a:extLst>
+              <a:ext uri="{FF2B5EF4-FFF2-40B4-BE49-F238E27FC236}">
+                <a16:creationId xmlns:a16="http://schemas.microsoft.com/office/drawing/2014/main" id="{49E727AA-12C5-4142-81C4-615898E68D64}"/>
+              </a:ext>
+            </a:extLst>
+          </p:cNvPr>
+          <p:cNvSpPr/>
+          <p:nvPr/>
+        </p:nvSpPr>
+        <p:spPr>
+          <a:xfrm>
+            <a:off x="3837494" y="3655632"/>
+            <a:ext cx="809135" cy="773386"/>
+          </a:xfrm>
+          <a:prstGeom prst="noSmoking">
+            <a:avLst/>
+          </a:prstGeom>
+          <a:solidFill>
+            <a:srgbClr val="622641">
+              <a:alpha val="49020"/>
+            </a:srgbClr>
+          </a:solidFill>
+        </p:spPr>
+        <p:style>
+          <a:lnRef idx="2">
+            <a:schemeClr val="accent1">
+              <a:shade val="50000"/>
+            </a:schemeClr>
+          </a:lnRef>
+          <a:fillRef idx="1">
+            <a:schemeClr val="accent1"/>
+          </a:fillRef>
+          <a:effectRef idx="0">
+            <a:schemeClr val="accent1"/>
+          </a:effectRef>
+          <a:fontRef idx="minor">
+            <a:schemeClr val="lt1"/>
+          </a:fontRef>
+        </p:style>
+        <p:txBody>
+          <a:bodyPr rtlCol="0" anchor="ctr"/>
+          <a:lstStyle/>
+          <a:p>
+            <a:pPr algn="ctr"/>
+            <a:endParaRPr lang="en-US">
+              <a:solidFill>
+                <a:schemeClr val="tx1"/>
+              </a:solidFill>
+            </a:endParaRPr>
+          </a:p>
+        </p:txBody>
+      </p:sp>
+      <p:sp>
+        <p:nvSpPr>
+          <p:cNvPr id="25" name="Oval 24">
+            <a:extLst>
+              <a:ext uri="{FF2B5EF4-FFF2-40B4-BE49-F238E27FC236}">
+                <a16:creationId xmlns:a16="http://schemas.microsoft.com/office/drawing/2014/main" id="{B08E0958-62C8-4CD7-91EF-E603DE40D0C1}"/>
+              </a:ext>
+            </a:extLst>
+          </p:cNvPr>
+          <p:cNvSpPr/>
+          <p:nvPr/>
+        </p:nvSpPr>
+        <p:spPr>
+          <a:xfrm>
+            <a:off x="10610650" y="4406246"/>
+            <a:ext cx="754145" cy="782424"/>
+          </a:xfrm>
+          <a:prstGeom prst="ellipse">
+            <a:avLst/>
+          </a:prstGeom>
+          <a:solidFill>
+            <a:srgbClr val="620DA9">
+              <a:alpha val="24706"/>
+            </a:srgbClr>
+          </a:solidFill>
+        </p:spPr>
+        <p:style>
+          <a:lnRef idx="2">
+            <a:schemeClr val="accent1">
+              <a:shade val="50000"/>
+            </a:schemeClr>
+          </a:lnRef>
+          <a:fillRef idx="1">
+            <a:schemeClr val="accent1"/>
+          </a:fillRef>
+          <a:effectRef idx="0">
+            <a:schemeClr val="accent1"/>
+          </a:effectRef>
+          <a:fontRef idx="minor">
+            <a:schemeClr val="lt1"/>
+          </a:fontRef>
+        </p:style>
+        <p:txBody>
+          <a:bodyPr rtlCol="0" anchor="ctr"/>
+          <a:lstStyle/>
+          <a:p>
+            <a:pPr algn="ctr"/>
+            <a:endParaRPr lang="en-US"/>
+          </a:p>
+        </p:txBody>
+      </p:sp>
+    </p:spTree>
+    <p:extLst>
+      <p:ext uri="{BB962C8B-B14F-4D97-AF65-F5344CB8AC3E}">
+        <p14:creationId xmlns:p14="http://schemas.microsoft.com/office/powerpoint/2010/main" val="2150585011"/>
+      </p:ext>
+    </p:extLst>
+  </p:cSld>
+  <p:clrMapOvr>
+    <a:masterClrMapping/>
+  </p:clrMapOvr>
+</p:sld>
+</file>
+
+<file path=ppt/slides/slide16.xml><?xml version="1.0" encoding="utf-8"?>
 <p:sld xmlns:a="http://schemas.openxmlformats.org/drawingml/2006/main" xmlns:r="http://schemas.openxmlformats.org/officeDocument/2006/relationships" xmlns:p="http://schemas.openxmlformats.org/presentationml/2006/main">
   <p:cSld>
     <p:spTree>
@@ -13464,7 +14867,7 @@
         </p:blipFill>
         <p:spPr>
           <a:xfrm>
-            <a:off x="265521" y="1295873"/>
+            <a:off x="340935" y="1390141"/>
             <a:ext cx="11660957" cy="4675500"/>
           </a:xfrm>
           <a:prstGeom prst="rect">
@@ -13488,7 +14891,7 @@
 </p:sld>
 </file>
 
-<file path=ppt/slides/slide16.xml><?xml version="1.0" encoding="utf-8"?>
+<file path=ppt/slides/slide17.xml><?xml version="1.0" encoding="utf-8"?>
 <p:sld xmlns:a="http://schemas.openxmlformats.org/drawingml/2006/main" xmlns:r="http://schemas.openxmlformats.org/officeDocument/2006/relationships" xmlns:p="http://schemas.openxmlformats.org/presentationml/2006/main">
   <p:cSld>
     <p:spTree>
@@ -15264,7 +16667,7 @@
                   </a:schemeClr>
                 </a:solidFill>
               </a:rPr>
-              <a:t>F4-&gt;B3,B1,B4,B2</a:t>
+              <a:t>F4-&gt;B3,B1,B2,B4</a:t>
             </a:r>
           </a:p>
         </p:txBody>
@@ -15513,7 +16916,7 @@
                   </a:schemeClr>
                 </a:solidFill>
               </a:rPr>
-              <a:t>F4-&gt;B3,B1,B4,B2</a:t>
+              <a:t>F4-&gt;B3,B1,B2,B4</a:t>
             </a:r>
           </a:p>
         </p:txBody>
@@ -16372,7 +17775,7 @@
                   </a:schemeClr>
                 </a:solidFill>
               </a:rPr>
-              <a:t>F4-&gt;B3,B1,B4,B2</a:t>
+              <a:t>F4-&gt;B3,B1,B2,B4</a:t>
             </a:r>
           </a:p>
         </p:txBody>
@@ -17119,7 +18522,7 @@
                   </a:schemeClr>
                 </a:solidFill>
               </a:rPr>
-              <a:t>F4-&gt;B3,B1,B4,B2</a:t>
+              <a:t>F4-&gt;B3,B1,B2,B4</a:t>
             </a:r>
           </a:p>
         </p:txBody>
@@ -18070,7 +19473,7 @@
                   </a:schemeClr>
                 </a:solidFill>
               </a:rPr>
-              <a:t>F4-&gt;B3,B1,B4,B2</a:t>
+              <a:t>F4-&gt;B3,B1,B2,B4</a:t>
             </a:r>
           </a:p>
         </p:txBody>
